--- a/Docs/ToriBomb2017.pptx
+++ b/Docs/ToriBomb2017.pptx
@@ -107,6 +107,11 @@
       </a:defRPr>
     </a:lvl9pPr>
   </p:defaultTextStyle>
+  <p:extLst>
+    <p:ext uri="{EFAFB233-063F-42B5-8137-9DF3F51BA10A}">
+      <p15:sldGuideLst xmlns:p15="http://schemas.microsoft.com/office/powerpoint/2012/main"/>
+    </p:ext>
+  </p:extLst>
 </p:presentation>
 </file>
 
@@ -241,7 +246,7 @@
           <a:p>
             <a:fld id="{7F4F997F-E9C9-415E-AE40-4555AD38B604}" type="datetimeFigureOut">
               <a:rPr kumimoji="1" lang="ja-JP" altLang="en-US" smtClean="0"/>
-              <a:t>2016/12/16</a:t>
+              <a:t>2017/1/6</a:t>
             </a:fld>
             <a:endParaRPr kumimoji="1" lang="ja-JP" altLang="en-US"/>
           </a:p>
@@ -443,7 +448,7 @@
           <a:p>
             <a:fld id="{7F4F997F-E9C9-415E-AE40-4555AD38B604}" type="datetimeFigureOut">
               <a:rPr kumimoji="1" lang="ja-JP" altLang="en-US" smtClean="0"/>
-              <a:t>2016/12/16</a:t>
+              <a:t>2017/1/6</a:t>
             </a:fld>
             <a:endParaRPr kumimoji="1" lang="ja-JP" altLang="en-US"/>
           </a:p>
@@ -655,7 +660,7 @@
           <a:p>
             <a:fld id="{7F4F997F-E9C9-415E-AE40-4555AD38B604}" type="datetimeFigureOut">
               <a:rPr kumimoji="1" lang="ja-JP" altLang="en-US" smtClean="0"/>
-              <a:t>2016/12/16</a:t>
+              <a:t>2017/1/6</a:t>
             </a:fld>
             <a:endParaRPr kumimoji="1" lang="ja-JP" altLang="en-US"/>
           </a:p>
@@ -857,7 +862,7 @@
           <a:p>
             <a:fld id="{7F4F997F-E9C9-415E-AE40-4555AD38B604}" type="datetimeFigureOut">
               <a:rPr kumimoji="1" lang="ja-JP" altLang="en-US" smtClean="0"/>
-              <a:t>2016/12/16</a:t>
+              <a:t>2017/1/6</a:t>
             </a:fld>
             <a:endParaRPr kumimoji="1" lang="ja-JP" altLang="en-US"/>
           </a:p>
@@ -1103,7 +1108,7 @@
           <a:p>
             <a:fld id="{7F4F997F-E9C9-415E-AE40-4555AD38B604}" type="datetimeFigureOut">
               <a:rPr kumimoji="1" lang="ja-JP" altLang="en-US" smtClean="0"/>
-              <a:t>2016/12/16</a:t>
+              <a:t>2017/1/6</a:t>
             </a:fld>
             <a:endParaRPr kumimoji="1" lang="ja-JP" altLang="en-US"/>
           </a:p>
@@ -1399,7 +1404,7 @@
           <a:p>
             <a:fld id="{7F4F997F-E9C9-415E-AE40-4555AD38B604}" type="datetimeFigureOut">
               <a:rPr kumimoji="1" lang="ja-JP" altLang="en-US" smtClean="0"/>
-              <a:t>2016/12/16</a:t>
+              <a:t>2017/1/6</a:t>
             </a:fld>
             <a:endParaRPr kumimoji="1" lang="ja-JP" altLang="en-US"/>
           </a:p>
@@ -1830,7 +1835,7 @@
           <a:p>
             <a:fld id="{7F4F997F-E9C9-415E-AE40-4555AD38B604}" type="datetimeFigureOut">
               <a:rPr kumimoji="1" lang="ja-JP" altLang="en-US" smtClean="0"/>
-              <a:t>2016/12/16</a:t>
+              <a:t>2017/1/6</a:t>
             </a:fld>
             <a:endParaRPr kumimoji="1" lang="ja-JP" altLang="en-US"/>
           </a:p>
@@ -1948,7 +1953,7 @@
           <a:p>
             <a:fld id="{7F4F997F-E9C9-415E-AE40-4555AD38B604}" type="datetimeFigureOut">
               <a:rPr kumimoji="1" lang="ja-JP" altLang="en-US" smtClean="0"/>
-              <a:t>2016/12/16</a:t>
+              <a:t>2017/1/6</a:t>
             </a:fld>
             <a:endParaRPr kumimoji="1" lang="ja-JP" altLang="en-US"/>
           </a:p>
@@ -2043,7 +2048,7 @@
           <a:p>
             <a:fld id="{7F4F997F-E9C9-415E-AE40-4555AD38B604}" type="datetimeFigureOut">
               <a:rPr kumimoji="1" lang="ja-JP" altLang="en-US" smtClean="0"/>
-              <a:t>2016/12/16</a:t>
+              <a:t>2017/1/6</a:t>
             </a:fld>
             <a:endParaRPr kumimoji="1" lang="ja-JP" altLang="en-US"/>
           </a:p>
@@ -2352,7 +2357,7 @@
           <a:p>
             <a:fld id="{7F4F997F-E9C9-415E-AE40-4555AD38B604}" type="datetimeFigureOut">
               <a:rPr kumimoji="1" lang="ja-JP" altLang="en-US" smtClean="0"/>
-              <a:t>2016/12/16</a:t>
+              <a:t>2017/1/6</a:t>
             </a:fld>
             <a:endParaRPr kumimoji="1" lang="ja-JP" altLang="en-US"/>
           </a:p>
@@ -2605,7 +2610,7 @@
           <a:p>
             <a:fld id="{7F4F997F-E9C9-415E-AE40-4555AD38B604}" type="datetimeFigureOut">
               <a:rPr kumimoji="1" lang="ja-JP" altLang="en-US" smtClean="0"/>
-              <a:t>2016/12/16</a:t>
+              <a:t>2017/1/6</a:t>
             </a:fld>
             <a:endParaRPr kumimoji="1" lang="ja-JP" altLang="en-US"/>
           </a:p>
@@ -2850,7 +2855,7 @@
           <a:p>
             <a:fld id="{7F4F997F-E9C9-415E-AE40-4555AD38B604}" type="datetimeFigureOut">
               <a:rPr kumimoji="1" lang="ja-JP" altLang="en-US" smtClean="0"/>
-              <a:t>2016/12/16</a:t>
+              <a:t>2017/1/6</a:t>
             </a:fld>
             <a:endParaRPr kumimoji="1" lang="ja-JP" altLang="en-US"/>
           </a:p>
